--- a/Presentation/Neomace Travel and Tours.pptx
+++ b/Presentation/Neomace Travel and Tours.pptx
@@ -6,16 +6,16 @@
     <p:sldMasterId id="2147483660" r:id="rId3"/>
   </p:sldMasterIdLst>
   <p:handoutMasterIdLst>
-    <p:handoutMasterId r:id="rId25"/>
+    <p:handoutMasterId r:id="rId31"/>
   </p:handoutMasterIdLst>
   <p:sldIdLst>
     <p:sldId id="256" r:id="rId4"/>
     <p:sldId id="268" r:id="rId5"/>
     <p:sldId id="269" r:id="rId6"/>
-    <p:sldId id="257" r:id="rId7"/>
+    <p:sldId id="278" r:id="rId7"/>
     <p:sldId id="258" r:id="rId8"/>
     <p:sldId id="259" r:id="rId9"/>
-    <p:sldId id="270" r:id="rId10"/>
+    <p:sldId id="257" r:id="rId10"/>
     <p:sldId id="272" r:id="rId11"/>
     <p:sldId id="271" r:id="rId12"/>
     <p:sldId id="273" r:id="rId13"/>
@@ -27,9 +27,15 @@
     <p:sldId id="264" r:id="rId19"/>
     <p:sldId id="265" r:id="rId20"/>
     <p:sldId id="266" r:id="rId21"/>
-    <p:sldId id="277" r:id="rId22"/>
-    <p:sldId id="275" r:id="rId23"/>
-    <p:sldId id="276" r:id="rId24"/>
+    <p:sldId id="279" r:id="rId22"/>
+    <p:sldId id="277" r:id="rId23"/>
+    <p:sldId id="280" r:id="rId24"/>
+    <p:sldId id="275" r:id="rId25"/>
+    <p:sldId id="281" r:id="rId26"/>
+    <p:sldId id="276" r:id="rId27"/>
+    <p:sldId id="282" r:id="rId28"/>
+    <p:sldId id="283" r:id="rId29"/>
+    <p:sldId id="284" r:id="rId30"/>
   </p:sldIdLst>
   <p:sldSz cx="9144000" cy="6858000" type="screen4x3"/>
   <p:notesSz cx="6858000" cy="9144000"/>
@@ -244,7 +250,7 @@
             <a:fld id="{0E4FF8FC-8473-4DFD-87CC-D576DA80B410}" type="datetimeFigureOut">
               <a:rPr lang="en-US" smtClean="0"/>
               <a:pPr/>
-              <a:t>8/24/2017</a:t>
+              <a:t>8/27/2017</a:t>
             </a:fld>
             <a:endParaRPr lang="en-US"/>
           </a:p>
@@ -5521,7 +5527,7 @@
             <a:fld id="{11188646-8CEC-4AE4-B1E7-ADF9D885FD96}" type="datetimeFigureOut">
               <a:rPr lang="en-US" smtClean="0"/>
               <a:pPr/>
-              <a:t>8/24/2017</a:t>
+              <a:t>8/27/2017</a:t>
             </a:fld>
             <a:endParaRPr lang="en-US"/>
           </a:p>
@@ -5686,7 +5692,7 @@
             <a:fld id="{11188646-8CEC-4AE4-B1E7-ADF9D885FD96}" type="datetimeFigureOut">
               <a:rPr lang="en-US" smtClean="0"/>
               <a:pPr/>
-              <a:t>8/24/2017</a:t>
+              <a:t>8/27/2017</a:t>
             </a:fld>
             <a:endParaRPr lang="en-US"/>
           </a:p>
@@ -5861,7 +5867,7 @@
             <a:fld id="{11188646-8CEC-4AE4-B1E7-ADF9D885FD96}" type="datetimeFigureOut">
               <a:rPr lang="en-US" smtClean="0"/>
               <a:pPr/>
-              <a:t>8/24/2017</a:t>
+              <a:t>8/27/2017</a:t>
             </a:fld>
             <a:endParaRPr lang="en-US"/>
           </a:p>
@@ -6098,7 +6104,7 @@
             <a:fld id="{16FF2618-C234-4528-BB60-72360CB0937F}" type="datetimeFigureOut">
               <a:rPr lang="en-US" smtClean="0"/>
               <a:pPr/>
-              <a:t>8/24/2017</a:t>
+              <a:t>8/27/2017</a:t>
             </a:fld>
             <a:endParaRPr lang="en-US"/>
           </a:p>
@@ -6263,7 +6269,7 @@
             <a:fld id="{16FF2618-C234-4528-BB60-72360CB0937F}" type="datetimeFigureOut">
               <a:rPr lang="en-US" smtClean="0"/>
               <a:pPr/>
-              <a:t>8/24/2017</a:t>
+              <a:t>8/27/2017</a:t>
             </a:fld>
             <a:endParaRPr lang="en-US"/>
           </a:p>
@@ -6505,7 +6511,7 @@
             <a:fld id="{16FF2618-C234-4528-BB60-72360CB0937F}" type="datetimeFigureOut">
               <a:rPr lang="en-US" smtClean="0"/>
               <a:pPr/>
-              <a:t>8/24/2017</a:t>
+              <a:t>8/27/2017</a:t>
             </a:fld>
             <a:endParaRPr lang="en-US"/>
           </a:p>
@@ -6787,7 +6793,7 @@
             <a:fld id="{16FF2618-C234-4528-BB60-72360CB0937F}" type="datetimeFigureOut">
               <a:rPr lang="en-US" smtClean="0"/>
               <a:pPr/>
-              <a:t>8/24/2017</a:t>
+              <a:t>8/27/2017</a:t>
             </a:fld>
             <a:endParaRPr lang="en-US"/>
           </a:p>
@@ -7203,7 +7209,7 @@
             <a:fld id="{16FF2618-C234-4528-BB60-72360CB0937F}" type="datetimeFigureOut">
               <a:rPr lang="en-US" smtClean="0"/>
               <a:pPr/>
-              <a:t>8/24/2017</a:t>
+              <a:t>8/27/2017</a:t>
             </a:fld>
             <a:endParaRPr lang="en-US"/>
           </a:p>
@@ -7317,7 +7323,7 @@
             <a:fld id="{16FF2618-C234-4528-BB60-72360CB0937F}" type="datetimeFigureOut">
               <a:rPr lang="en-US" smtClean="0"/>
               <a:pPr/>
-              <a:t>8/24/2017</a:t>
+              <a:t>8/27/2017</a:t>
             </a:fld>
             <a:endParaRPr lang="en-US"/>
           </a:p>
@@ -7409,7 +7415,7 @@
             <a:fld id="{16FF2618-C234-4528-BB60-72360CB0937F}" type="datetimeFigureOut">
               <a:rPr lang="en-US" smtClean="0"/>
               <a:pPr/>
-              <a:t>8/24/2017</a:t>
+              <a:t>8/27/2017</a:t>
             </a:fld>
             <a:endParaRPr lang="en-US"/>
           </a:p>
@@ -7681,7 +7687,7 @@
             <a:fld id="{16FF2618-C234-4528-BB60-72360CB0937F}" type="datetimeFigureOut">
               <a:rPr lang="en-US" smtClean="0"/>
               <a:pPr/>
-              <a:t>8/24/2017</a:t>
+              <a:t>8/27/2017</a:t>
             </a:fld>
             <a:endParaRPr lang="en-US"/>
           </a:p>
@@ -7847,7 +7853,7 @@
             <a:fld id="{11188646-8CEC-4AE4-B1E7-ADF9D885FD96}" type="datetimeFigureOut">
               <a:rPr lang="en-US" smtClean="0"/>
               <a:pPr/>
-              <a:t>8/24/2017</a:t>
+              <a:t>8/27/2017</a:t>
             </a:fld>
             <a:endParaRPr lang="en-US"/>
           </a:p>
@@ -8096,7 +8102,7 @@
             <a:fld id="{16FF2618-C234-4528-BB60-72360CB0937F}" type="datetimeFigureOut">
               <a:rPr lang="en-US" smtClean="0"/>
               <a:pPr/>
-              <a:t>8/24/2017</a:t>
+              <a:t>8/27/2017</a:t>
             </a:fld>
             <a:endParaRPr lang="en-US"/>
           </a:p>
@@ -8261,7 +8267,7 @@
             <a:fld id="{16FF2618-C234-4528-BB60-72360CB0937F}" type="datetimeFigureOut">
               <a:rPr lang="en-US" smtClean="0"/>
               <a:pPr/>
-              <a:t>8/24/2017</a:t>
+              <a:t>8/27/2017</a:t>
             </a:fld>
             <a:endParaRPr lang="en-US"/>
           </a:p>
@@ -8436,7 +8442,7 @@
             <a:fld id="{16FF2618-C234-4528-BB60-72360CB0937F}" type="datetimeFigureOut">
               <a:rPr lang="en-US" smtClean="0"/>
               <a:pPr/>
-              <a:t>8/24/2017</a:t>
+              <a:t>8/27/2017</a:t>
             </a:fld>
             <a:endParaRPr lang="en-US"/>
           </a:p>
@@ -8678,7 +8684,7 @@
             <a:fld id="{11188646-8CEC-4AE4-B1E7-ADF9D885FD96}" type="datetimeFigureOut">
               <a:rPr lang="en-US" smtClean="0"/>
               <a:pPr/>
-              <a:t>8/24/2017</a:t>
+              <a:t>8/27/2017</a:t>
             </a:fld>
             <a:endParaRPr lang="en-US"/>
           </a:p>
@@ -8960,7 +8966,7 @@
             <a:fld id="{11188646-8CEC-4AE4-B1E7-ADF9D885FD96}" type="datetimeFigureOut">
               <a:rPr lang="en-US" smtClean="0"/>
               <a:pPr/>
-              <a:t>8/24/2017</a:t>
+              <a:t>8/27/2017</a:t>
             </a:fld>
             <a:endParaRPr lang="en-US"/>
           </a:p>
@@ -9376,7 +9382,7 @@
             <a:fld id="{11188646-8CEC-4AE4-B1E7-ADF9D885FD96}" type="datetimeFigureOut">
               <a:rPr lang="en-US" smtClean="0"/>
               <a:pPr/>
-              <a:t>8/24/2017</a:t>
+              <a:t>8/27/2017</a:t>
             </a:fld>
             <a:endParaRPr lang="en-US"/>
           </a:p>
@@ -9490,7 +9496,7 @@
             <a:fld id="{11188646-8CEC-4AE4-B1E7-ADF9D885FD96}" type="datetimeFigureOut">
               <a:rPr lang="en-US" smtClean="0"/>
               <a:pPr/>
-              <a:t>8/24/2017</a:t>
+              <a:t>8/27/2017</a:t>
             </a:fld>
             <a:endParaRPr lang="en-US"/>
           </a:p>
@@ -9582,7 +9588,7 @@
             <a:fld id="{11188646-8CEC-4AE4-B1E7-ADF9D885FD96}" type="datetimeFigureOut">
               <a:rPr lang="en-US" smtClean="0"/>
               <a:pPr/>
-              <a:t>8/24/2017</a:t>
+              <a:t>8/27/2017</a:t>
             </a:fld>
             <a:endParaRPr lang="en-US"/>
           </a:p>
@@ -9854,7 +9860,7 @@
             <a:fld id="{11188646-8CEC-4AE4-B1E7-ADF9D885FD96}" type="datetimeFigureOut">
               <a:rPr lang="en-US" smtClean="0"/>
               <a:pPr/>
-              <a:t>8/24/2017</a:t>
+              <a:t>8/27/2017</a:t>
             </a:fld>
             <a:endParaRPr lang="en-US"/>
           </a:p>
@@ -10106,7 +10112,7 @@
             <a:fld id="{11188646-8CEC-4AE4-B1E7-ADF9D885FD96}" type="datetimeFigureOut">
               <a:rPr lang="en-US" smtClean="0"/>
               <a:pPr/>
-              <a:t>8/24/2017</a:t>
+              <a:t>8/27/2017</a:t>
             </a:fld>
             <a:endParaRPr lang="en-US"/>
           </a:p>
@@ -11745,7 +11751,7 @@
             <a:fld id="{11188646-8CEC-4AE4-B1E7-ADF9D885FD96}" type="datetimeFigureOut">
               <a:rPr lang="en-US" smtClean="0"/>
               <a:pPr/>
-              <a:t>8/24/2017</a:t>
+              <a:t>8/27/2017</a:t>
             </a:fld>
             <a:endParaRPr lang="en-US"/>
           </a:p>
@@ -12262,7 +12268,7 @@
             <a:fld id="{16FF2618-C234-4528-BB60-72360CB0937F}" type="datetimeFigureOut">
               <a:rPr lang="en-US" smtClean="0"/>
               <a:pPr/>
-              <a:t>8/24/2017</a:t>
+              <a:t>8/27/2017</a:t>
             </a:fld>
             <a:endParaRPr lang="en-US"/>
           </a:p>
@@ -12930,7 +12936,7 @@
           </a:lstStyle>
           <a:p>
             <a:r>
-              <a:rPr lang="en-US" sz="2500" dirty="0">
+              <a:rPr lang="en-US" sz="2550" dirty="0">
                 <a:solidFill>
                   <a:schemeClr val="bg1">
                     <a:lumMod val="50000"/>
@@ -12942,7 +12948,7 @@
               <a:t>Belchez, Maica L.</a:t>
             </a:r>
             <a:br>
-              <a:rPr lang="en-US" sz="2500" dirty="0">
+              <a:rPr lang="en-US" sz="2550" dirty="0">
                 <a:solidFill>
                   <a:schemeClr val="bg1">
                     <a:lumMod val="50000"/>
@@ -12953,7 +12959,7 @@
               </a:rPr>
             </a:br>
             <a:r>
-              <a:rPr lang="en-US" sz="2500" dirty="0" err="1">
+              <a:rPr lang="en-US" sz="2550" dirty="0" err="1">
                 <a:solidFill>
                   <a:schemeClr val="bg1">
                     <a:lumMod val="50000"/>
@@ -12965,7 +12971,7 @@
               <a:t>Carpio</a:t>
             </a:r>
             <a:r>
-              <a:rPr lang="en-US" sz="2500" dirty="0">
+              <a:rPr lang="en-US" sz="2550" dirty="0">
                 <a:solidFill>
                   <a:schemeClr val="bg1">
                     <a:lumMod val="50000"/>
@@ -12977,7 +12983,7 @@
               <a:t>, </a:t>
             </a:r>
             <a:r>
-              <a:rPr lang="en-US" sz="2500" dirty="0" err="1">
+              <a:rPr lang="en-US" sz="2550" dirty="0" err="1">
                 <a:solidFill>
                   <a:schemeClr val="bg1">
                     <a:lumMod val="50000"/>
@@ -12989,7 +12995,7 @@
               <a:t>Aira</a:t>
             </a:r>
             <a:r>
-              <a:rPr lang="en-US" sz="2500" dirty="0">
+              <a:rPr lang="en-US" sz="2550" dirty="0">
                 <a:solidFill>
                   <a:schemeClr val="bg1">
                     <a:lumMod val="50000"/>
@@ -13001,7 +13007,7 @@
               <a:t> Joyce A.</a:t>
             </a:r>
             <a:br>
-              <a:rPr lang="en-US" sz="2500" dirty="0">
+              <a:rPr lang="en-US" sz="2550" dirty="0">
                 <a:solidFill>
                   <a:schemeClr val="bg1">
                     <a:lumMod val="50000"/>
@@ -13012,7 +13018,7 @@
               </a:rPr>
             </a:br>
             <a:r>
-              <a:rPr lang="en-US" sz="2500" dirty="0" err="1">
+              <a:rPr lang="en-US" sz="2550" dirty="0" err="1">
                 <a:solidFill>
                   <a:schemeClr val="bg1">
                     <a:lumMod val="50000"/>
@@ -13024,7 +13030,7 @@
               <a:t>Haboc</a:t>
             </a:r>
             <a:r>
-              <a:rPr lang="en-US" sz="2500" dirty="0">
+              <a:rPr lang="en-US" sz="2550" dirty="0">
                 <a:solidFill>
                   <a:schemeClr val="bg1">
                     <a:lumMod val="50000"/>
@@ -13119,21 +13125,51 @@
             <p:ph sz="half" idx="2"/>
           </p:nvPr>
         </p:nvSpPr>
-        <p:spPr/>
-        <p:txBody>
-          <a:bodyPr/>
+        <p:spPr>
+          <a:xfrm>
+            <a:off x="457200" y="1260450"/>
+            <a:ext cx="4040188" cy="5597550"/>
+          </a:xfrm>
+        </p:spPr>
+        <p:txBody>
+          <a:bodyPr>
+            <a:noAutofit/>
+          </a:bodyPr>
           <a:lstStyle/>
           <a:p>
             <a:r>
-              <a:rPr lang="en-US" dirty="0"/>
-              <a:t>Summarize your market in the past, present, and future.</a:t>
-            </a:r>
-          </a:p>
-          <a:p>
-            <a:pPr lvl="1"/>
-            <a:r>
-              <a:rPr lang="en-US" dirty="0"/>
-              <a:t>Review those changes in market share, leadership, players, market shifts, costs, pricing, or competition that provide the opportunity for your company’s success.</a:t>
+              <a:rPr lang="en-US" sz="3000" dirty="0">
+                <a:latin typeface="Arial" panose="020B0604020202020204" pitchFamily="34" charset="0"/>
+                <a:cs typeface="Arial" panose="020B0604020202020204" pitchFamily="34" charset="0"/>
+              </a:rPr>
+              <a:t>The use of technology for better client experience</a:t>
+            </a:r>
+          </a:p>
+          <a:p>
+            <a:r>
+              <a:rPr lang="en-US" sz="3000" dirty="0">
+                <a:latin typeface="Arial" panose="020B0604020202020204" pitchFamily="34" charset="0"/>
+                <a:cs typeface="Arial" panose="020B0604020202020204" pitchFamily="34" charset="0"/>
+              </a:rPr>
+              <a:t>Market branches</a:t>
+            </a:r>
+          </a:p>
+          <a:p>
+            <a:r>
+              <a:rPr lang="en-US" sz="3000" dirty="0">
+                <a:latin typeface="Arial" panose="020B0604020202020204" pitchFamily="34" charset="0"/>
+                <a:cs typeface="Arial" panose="020B0604020202020204" pitchFamily="34" charset="0"/>
+              </a:rPr>
+              <a:t>Growth of tourism worldwide</a:t>
+            </a:r>
+          </a:p>
+          <a:p>
+            <a:r>
+              <a:rPr lang="en-US" sz="3000" dirty="0">
+                <a:latin typeface="Arial" panose="020B0604020202020204" pitchFamily="34" charset="0"/>
+                <a:cs typeface="Arial" panose="020B0604020202020204" pitchFamily="34" charset="0"/>
+              </a:rPr>
+              <a:t>Online market strategy</a:t>
             </a:r>
           </a:p>
         </p:txBody>
@@ -13194,12 +13230,61 @@
             <p:ph sz="quarter" idx="4"/>
           </p:nvPr>
         </p:nvSpPr>
-        <p:spPr/>
-        <p:txBody>
-          <a:bodyPr/>
+        <p:spPr>
+          <a:xfrm>
+            <a:off x="4645025" y="1260450"/>
+            <a:ext cx="4041775" cy="5597550"/>
+          </a:xfrm>
+        </p:spPr>
+        <p:txBody>
+          <a:bodyPr>
+            <a:noAutofit/>
+          </a:bodyPr>
           <a:lstStyle/>
           <a:p>
-            <a:endParaRPr lang="en-PH"/>
+            <a:r>
+              <a:rPr lang="en-US" sz="2700" dirty="0">
+                <a:latin typeface="Arial" panose="020B0604020202020204" pitchFamily="34" charset="0"/>
+                <a:cs typeface="Arial" panose="020B0604020202020204" pitchFamily="34" charset="0"/>
+              </a:rPr>
+              <a:t>Existing competition with other service providers</a:t>
+            </a:r>
+          </a:p>
+          <a:p>
+            <a:r>
+              <a:rPr lang="en-US" sz="2700" dirty="0">
+                <a:latin typeface="Arial" panose="020B0604020202020204" pitchFamily="34" charset="0"/>
+                <a:cs typeface="Arial" panose="020B0604020202020204" pitchFamily="34" charset="0"/>
+              </a:rPr>
+              <a:t>Economic uncertainties</a:t>
+            </a:r>
+          </a:p>
+          <a:p>
+            <a:r>
+              <a:rPr lang="en-US" sz="2700" dirty="0">
+                <a:latin typeface="Arial" panose="020B0604020202020204" pitchFamily="34" charset="0"/>
+                <a:cs typeface="Arial" panose="020B0604020202020204" pitchFamily="34" charset="0"/>
+              </a:rPr>
+              <a:t>Natural disaster and calamities or fortuitous events</a:t>
+            </a:r>
+          </a:p>
+          <a:p>
+            <a:r>
+              <a:rPr lang="en-US" sz="2700" dirty="0">
+                <a:latin typeface="Arial" panose="020B0604020202020204" pitchFamily="34" charset="0"/>
+                <a:cs typeface="Arial" panose="020B0604020202020204" pitchFamily="34" charset="0"/>
+              </a:rPr>
+              <a:t>Changes in technology</a:t>
+            </a:r>
+          </a:p>
+          <a:p>
+            <a:r>
+              <a:rPr lang="en-US" sz="2700" dirty="0">
+                <a:latin typeface="Arial" panose="020B0604020202020204" pitchFamily="34" charset="0"/>
+                <a:cs typeface="Arial" panose="020B0604020202020204" pitchFamily="34" charset="0"/>
+              </a:rPr>
+              <a:t>Consumers can change their tastes very quickly</a:t>
+            </a:r>
           </a:p>
         </p:txBody>
       </p:sp>
@@ -13260,35 +13345,28 @@
           </a:p>
         </p:txBody>
       </p:sp>
-      <p:sp>
-        <p:nvSpPr>
-          <p:cNvPr id="3" name="Content Placeholder 2"/>
-          <p:cNvSpPr>
-            <a:spLocks noGrp="1"/>
-          </p:cNvSpPr>
-          <p:nvPr>
-            <p:ph idx="1"/>
-          </p:nvPr>
-        </p:nvSpPr>
-        <p:spPr/>
-        <p:txBody>
-          <a:bodyPr/>
-          <a:lstStyle/>
-          <a:p>
-            <a:r>
-              <a:rPr lang="en-US" dirty="0"/>
-              <a:t>Identify problems and opportunities.</a:t>
-            </a:r>
-          </a:p>
-          <a:p>
-            <a:pPr lvl="1"/>
-            <a:r>
-              <a:rPr lang="en-US" dirty="0"/>
-              <a:t>State consumer problems, and define the nature of product/service opportunities that are created by those problems.</a:t>
-            </a:r>
-          </a:p>
-        </p:txBody>
-      </p:sp>
+      <p:pic>
+        <p:nvPicPr>
+          <p:cNvPr id="4" name="Picture 3"/>
+          <p:cNvPicPr/>
+          <p:nvPr/>
+        </p:nvPicPr>
+        <p:blipFill>
+          <a:blip r:embed="rId2"/>
+          <a:stretch>
+            <a:fillRect/>
+          </a:stretch>
+        </p:blipFill>
+        <p:spPr>
+          <a:xfrm>
+            <a:off x="457200" y="1417638"/>
+            <a:ext cx="8229600" cy="4891682"/>
+          </a:xfrm>
+          <a:prstGeom prst="rect">
+            <a:avLst/>
+          </a:prstGeom>
+        </p:spPr>
+      </p:pic>
     </p:spTree>
   </p:cSld>
   <p:clrMapOvr>
@@ -13341,28 +13419,376 @@
           </a:p>
         </p:txBody>
       </p:sp>
-      <p:sp>
-        <p:nvSpPr>
-          <p:cNvPr id="3" name="Content Placeholder 2"/>
-          <p:cNvSpPr>
-            <a:spLocks noGrp="1"/>
-          </p:cNvSpPr>
+      <p:graphicFrame>
+        <p:nvGraphicFramePr>
+          <p:cNvPr id="4" name="Content Placeholder 3"/>
+          <p:cNvGraphicFramePr>
+            <a:graphicFrameLocks noGrp="1"/>
+          </p:cNvGraphicFramePr>
           <p:nvPr>
             <p:ph idx="1"/>
-          </p:nvPr>
-        </p:nvSpPr>
-        <p:spPr/>
-        <p:txBody>
-          <a:bodyPr/>
-          <a:lstStyle/>
-          <a:p>
-            <a:r>
-              <a:rPr lang="en-US" dirty="0"/>
-              <a:t>Summarize the key technology, concept, or strategy on which your business is based.</a:t>
-            </a:r>
-          </a:p>
-        </p:txBody>
-      </p:sp>
+            <p:extLst>
+              <p:ext uri="{D42A27DB-BD31-4B8C-83A1-F6EECF244321}">
+                <p14:modId xmlns:p14="http://schemas.microsoft.com/office/powerpoint/2010/main" val="863594188"/>
+              </p:ext>
+            </p:extLst>
+          </p:nvPr>
+        </p:nvGraphicFramePr>
+        <p:xfrm>
+          <a:off x="457200" y="1417639"/>
+          <a:ext cx="8229600" cy="5323731"/>
+        </p:xfrm>
+        <a:graphic>
+          <a:graphicData uri="http://schemas.openxmlformats.org/drawingml/2006/table">
+            <a:tbl>
+              <a:tblPr firstRow="1" bandRow="1">
+                <a:tableStyleId>{5C22544A-7EE6-4342-B048-85BDC9FD1C3A}</a:tableStyleId>
+              </a:tblPr>
+              <a:tblGrid>
+                <a:gridCol w="2743200">
+                  <a:extLst>
+                    <a:ext uri="{9D8B030D-6E8A-4147-A177-3AD203B41FA5}">
+                      <a16:colId xmlns:a16="http://schemas.microsoft.com/office/drawing/2014/main" val="1300850609"/>
+                    </a:ext>
+                  </a:extLst>
+                </a:gridCol>
+                <a:gridCol w="2743200">
+                  <a:extLst>
+                    <a:ext uri="{9D8B030D-6E8A-4147-A177-3AD203B41FA5}">
+                      <a16:colId xmlns:a16="http://schemas.microsoft.com/office/drawing/2014/main" val="2027622238"/>
+                    </a:ext>
+                  </a:extLst>
+                </a:gridCol>
+                <a:gridCol w="2743200">
+                  <a:extLst>
+                    <a:ext uri="{9D8B030D-6E8A-4147-A177-3AD203B41FA5}">
+                      <a16:colId xmlns:a16="http://schemas.microsoft.com/office/drawing/2014/main" val="3059521598"/>
+                    </a:ext>
+                  </a:extLst>
+                </a:gridCol>
+              </a:tblGrid>
+              <a:tr h="446209">
+                <a:tc>
+                  <a:txBody>
+                    <a:bodyPr/>
+                    <a:lstStyle/>
+                    <a:p>
+                      <a:pPr algn="ctr"/>
+                      <a:r>
+                        <a:rPr lang="en-US" sz="2300" b="1" dirty="0">
+                          <a:latin typeface="Arial" panose="020B0604020202020204" pitchFamily="34" charset="0"/>
+                          <a:cs typeface="Arial" panose="020B0604020202020204" pitchFamily="34" charset="0"/>
+                        </a:rPr>
+                        <a:t>Objectives</a:t>
+                      </a:r>
+                      <a:endParaRPr lang="en-PH" sz="2300" b="1" dirty="0">
+                        <a:latin typeface="Arial" panose="020B0604020202020204" pitchFamily="34" charset="0"/>
+                        <a:cs typeface="Arial" panose="020B0604020202020204" pitchFamily="34" charset="0"/>
+                      </a:endParaRPr>
+                    </a:p>
+                  </a:txBody>
+                  <a:tcPr/>
+                </a:tc>
+                <a:tc>
+                  <a:txBody>
+                    <a:bodyPr/>
+                    <a:lstStyle/>
+                    <a:p>
+                      <a:pPr algn="ctr"/>
+                      <a:r>
+                        <a:rPr lang="en-US" sz="2300" b="1" dirty="0">
+                          <a:latin typeface="Arial" panose="020B0604020202020204" pitchFamily="34" charset="0"/>
+                          <a:cs typeface="Arial" panose="020B0604020202020204" pitchFamily="34" charset="0"/>
+                        </a:rPr>
+                        <a:t>Current</a:t>
+                      </a:r>
+                      <a:r>
+                        <a:rPr lang="en-US" sz="2300" b="1" baseline="0" dirty="0">
+                          <a:latin typeface="Arial" panose="020B0604020202020204" pitchFamily="34" charset="0"/>
+                          <a:cs typeface="Arial" panose="020B0604020202020204" pitchFamily="34" charset="0"/>
+                        </a:rPr>
+                        <a:t> State</a:t>
+                      </a:r>
+                      <a:endParaRPr lang="en-PH" sz="2300" b="1" dirty="0">
+                        <a:latin typeface="Arial" panose="020B0604020202020204" pitchFamily="34" charset="0"/>
+                        <a:cs typeface="Arial" panose="020B0604020202020204" pitchFamily="34" charset="0"/>
+                      </a:endParaRPr>
+                    </a:p>
+                  </a:txBody>
+                  <a:tcPr/>
+                </a:tc>
+                <a:tc>
+                  <a:txBody>
+                    <a:bodyPr/>
+                    <a:lstStyle/>
+                    <a:p>
+                      <a:pPr algn="ctr"/>
+                      <a:r>
+                        <a:rPr lang="en-US" sz="2300" b="1" dirty="0">
+                          <a:latin typeface="Arial" panose="020B0604020202020204" pitchFamily="34" charset="0"/>
+                          <a:cs typeface="Arial" panose="020B0604020202020204" pitchFamily="34" charset="0"/>
+                        </a:rPr>
+                        <a:t>Future State</a:t>
+                      </a:r>
+                      <a:endParaRPr lang="en-PH" sz="2300" b="1" dirty="0">
+                        <a:latin typeface="Arial" panose="020B0604020202020204" pitchFamily="34" charset="0"/>
+                        <a:cs typeface="Arial" panose="020B0604020202020204" pitchFamily="34" charset="0"/>
+                      </a:endParaRPr>
+                    </a:p>
+                  </a:txBody>
+                  <a:tcPr/>
+                </a:tc>
+                <a:extLst>
+                  <a:ext uri="{0D108BD9-81ED-4DB2-BD59-A6C34878D82A}">
+                    <a16:rowId xmlns:a16="http://schemas.microsoft.com/office/drawing/2014/main" val="1785933660"/>
+                  </a:ext>
+                </a:extLst>
+              </a:tr>
+              <a:tr h="1153988">
+                <a:tc>
+                  <a:txBody>
+                    <a:bodyPr/>
+                    <a:lstStyle/>
+                    <a:p>
+                      <a:pPr algn="l"/>
+                      <a:r>
+                        <a:rPr lang="en-US" sz="2300" dirty="0">
+                          <a:latin typeface="Arial" panose="020B0604020202020204" pitchFamily="34" charset="0"/>
+                          <a:cs typeface="Arial" panose="020B0604020202020204" pitchFamily="34" charset="0"/>
+                        </a:rPr>
+                        <a:t>More customers</a:t>
+                      </a:r>
+                      <a:endParaRPr lang="en-PH" sz="2300" dirty="0">
+                        <a:latin typeface="Arial" panose="020B0604020202020204" pitchFamily="34" charset="0"/>
+                        <a:cs typeface="Arial" panose="020B0604020202020204" pitchFamily="34" charset="0"/>
+                      </a:endParaRPr>
+                    </a:p>
+                  </a:txBody>
+                  <a:tcPr anchor="ctr"/>
+                </a:tc>
+                <a:tc>
+                  <a:txBody>
+                    <a:bodyPr/>
+                    <a:lstStyle/>
+                    <a:p>
+                      <a:pPr algn="l"/>
+                      <a:r>
+                        <a:rPr lang="en-US" sz="2300" dirty="0">
+                          <a:latin typeface="Arial" panose="020B0604020202020204" pitchFamily="34" charset="0"/>
+                          <a:cs typeface="Arial" panose="020B0604020202020204" pitchFamily="34" charset="0"/>
+                        </a:rPr>
+                        <a:t>Have regular</a:t>
+                      </a:r>
+                      <a:r>
+                        <a:rPr lang="en-US" sz="2300" baseline="0" dirty="0">
+                          <a:latin typeface="Arial" panose="020B0604020202020204" pitchFamily="34" charset="0"/>
+                          <a:cs typeface="Arial" panose="020B0604020202020204" pitchFamily="34" charset="0"/>
+                        </a:rPr>
+                        <a:t> customers and built trust</a:t>
+                      </a:r>
+                      <a:endParaRPr lang="en-PH" sz="2300" dirty="0">
+                        <a:latin typeface="Arial" panose="020B0604020202020204" pitchFamily="34" charset="0"/>
+                        <a:cs typeface="Arial" panose="020B0604020202020204" pitchFamily="34" charset="0"/>
+                      </a:endParaRPr>
+                    </a:p>
+                  </a:txBody>
+                  <a:tcPr anchor="ctr"/>
+                </a:tc>
+                <a:tc>
+                  <a:txBody>
+                    <a:bodyPr/>
+                    <a:lstStyle/>
+                    <a:p>
+                      <a:pPr algn="l"/>
+                      <a:r>
+                        <a:rPr lang="en-US" sz="2300" dirty="0">
+                          <a:latin typeface="Arial" panose="020B0604020202020204" pitchFamily="34" charset="0"/>
+                          <a:cs typeface="Arial" panose="020B0604020202020204" pitchFamily="34" charset="0"/>
+                        </a:rPr>
+                        <a:t>More advertisements and promotions</a:t>
+                      </a:r>
+                      <a:endParaRPr lang="en-PH" sz="2300" dirty="0">
+                        <a:latin typeface="Arial" panose="020B0604020202020204" pitchFamily="34" charset="0"/>
+                        <a:cs typeface="Arial" panose="020B0604020202020204" pitchFamily="34" charset="0"/>
+                      </a:endParaRPr>
+                    </a:p>
+                  </a:txBody>
+                  <a:tcPr anchor="ctr"/>
+                </a:tc>
+                <a:extLst>
+                  <a:ext uri="{0D108BD9-81ED-4DB2-BD59-A6C34878D82A}">
+                    <a16:rowId xmlns:a16="http://schemas.microsoft.com/office/drawing/2014/main" val="2601072077"/>
+                  </a:ext>
+                </a:extLst>
+              </a:tr>
+              <a:tr h="1861767">
+                <a:tc>
+                  <a:txBody>
+                    <a:bodyPr/>
+                    <a:lstStyle/>
+                    <a:p>
+                      <a:pPr algn="l"/>
+                      <a:r>
+                        <a:rPr lang="en-US" sz="2300" dirty="0">
+                          <a:latin typeface="Arial" panose="020B0604020202020204" pitchFamily="34" charset="0"/>
+                          <a:cs typeface="Arial" panose="020B0604020202020204" pitchFamily="34" charset="0"/>
+                        </a:rPr>
+                        <a:t>Enhance web services</a:t>
+                      </a:r>
+                    </a:p>
+                  </a:txBody>
+                  <a:tcPr anchor="ctr"/>
+                </a:tc>
+                <a:tc>
+                  <a:txBody>
+                    <a:bodyPr/>
+                    <a:lstStyle/>
+                    <a:p>
+                      <a:pPr algn="l"/>
+                      <a:r>
+                        <a:rPr lang="en-US" sz="2300" dirty="0">
+                          <a:latin typeface="Arial" panose="020B0604020202020204" pitchFamily="34" charset="0"/>
+                          <a:cs typeface="Arial" panose="020B0604020202020204" pitchFamily="34" charset="0"/>
+                        </a:rPr>
+                        <a:t>Not</a:t>
+                      </a:r>
+                      <a:r>
+                        <a:rPr lang="en-US" sz="2300" baseline="0" dirty="0">
+                          <a:latin typeface="Arial" panose="020B0604020202020204" pitchFamily="34" charset="0"/>
+                          <a:cs typeface="Arial" panose="020B0604020202020204" pitchFamily="34" charset="0"/>
+                        </a:rPr>
+                        <a:t> enough details in website and bad user interface</a:t>
+                      </a:r>
+                      <a:endParaRPr lang="en-PH" sz="2300" dirty="0">
+                        <a:latin typeface="Arial" panose="020B0604020202020204" pitchFamily="34" charset="0"/>
+                        <a:cs typeface="Arial" panose="020B0604020202020204" pitchFamily="34" charset="0"/>
+                      </a:endParaRPr>
+                    </a:p>
+                  </a:txBody>
+                  <a:tcPr anchor="ctr"/>
+                </a:tc>
+                <a:tc>
+                  <a:txBody>
+                    <a:bodyPr/>
+                    <a:lstStyle/>
+                    <a:p>
+                      <a:pPr algn="l"/>
+                      <a:r>
+                        <a:rPr lang="en-US" sz="2300" dirty="0">
+                          <a:latin typeface="Arial" panose="020B0604020202020204" pitchFamily="34" charset="0"/>
+                          <a:cs typeface="Arial" panose="020B0604020202020204" pitchFamily="34" charset="0"/>
+                        </a:rPr>
+                        <a:t>Enhance website</a:t>
+                      </a:r>
+                      <a:r>
+                        <a:rPr lang="en-US" sz="2300" baseline="0" dirty="0">
+                          <a:latin typeface="Arial" panose="020B0604020202020204" pitchFamily="34" charset="0"/>
+                          <a:cs typeface="Arial" panose="020B0604020202020204" pitchFamily="34" charset="0"/>
+                        </a:rPr>
+                        <a:t> design and content. Make online transaction visible in the website</a:t>
+                      </a:r>
+                      <a:endParaRPr lang="en-PH" sz="2300" dirty="0">
+                        <a:latin typeface="Arial" panose="020B0604020202020204" pitchFamily="34" charset="0"/>
+                        <a:cs typeface="Arial" panose="020B0604020202020204" pitchFamily="34" charset="0"/>
+                      </a:endParaRPr>
+                    </a:p>
+                  </a:txBody>
+                  <a:tcPr anchor="ctr"/>
+                </a:tc>
+                <a:extLst>
+                  <a:ext uri="{0D108BD9-81ED-4DB2-BD59-A6C34878D82A}">
+                    <a16:rowId xmlns:a16="http://schemas.microsoft.com/office/drawing/2014/main" val="1356690080"/>
+                  </a:ext>
+                </a:extLst>
+              </a:tr>
+              <a:tr h="1861767">
+                <a:tc>
+                  <a:txBody>
+                    <a:bodyPr/>
+                    <a:lstStyle/>
+                    <a:p>
+                      <a:pPr algn="l"/>
+                      <a:r>
+                        <a:rPr lang="en-US" sz="2300" dirty="0">
+                          <a:latin typeface="Arial" panose="020B0604020202020204" pitchFamily="34" charset="0"/>
+                          <a:cs typeface="Arial" panose="020B0604020202020204" pitchFamily="34" charset="0"/>
+                        </a:rPr>
+                        <a:t>Employee expansion</a:t>
+                      </a:r>
+                      <a:endParaRPr lang="en-PH" sz="2300" dirty="0">
+                        <a:latin typeface="Arial" panose="020B0604020202020204" pitchFamily="34" charset="0"/>
+                        <a:cs typeface="Arial" panose="020B0604020202020204" pitchFamily="34" charset="0"/>
+                      </a:endParaRPr>
+                    </a:p>
+                  </a:txBody>
+                  <a:tcPr anchor="ctr"/>
+                </a:tc>
+                <a:tc>
+                  <a:txBody>
+                    <a:bodyPr/>
+                    <a:lstStyle/>
+                    <a:p>
+                      <a:pPr algn="l"/>
+                      <a:r>
+                        <a:rPr lang="en-US" sz="2300" dirty="0">
+                          <a:latin typeface="Arial" panose="020B0604020202020204" pitchFamily="34" charset="0"/>
+                          <a:cs typeface="Arial" panose="020B0604020202020204" pitchFamily="34" charset="0"/>
+                        </a:rPr>
+                        <a:t>Limited number</a:t>
+                      </a:r>
+                      <a:r>
+                        <a:rPr lang="en-US" sz="2300" baseline="0" dirty="0">
+                          <a:latin typeface="Arial" panose="020B0604020202020204" pitchFamily="34" charset="0"/>
+                          <a:cs typeface="Arial" panose="020B0604020202020204" pitchFamily="34" charset="0"/>
+                        </a:rPr>
+                        <a:t> of employees. No proper designation of tasks</a:t>
+                      </a:r>
+                      <a:endParaRPr lang="en-PH" sz="2300" dirty="0">
+                        <a:latin typeface="Arial" panose="020B0604020202020204" pitchFamily="34" charset="0"/>
+                        <a:cs typeface="Arial" panose="020B0604020202020204" pitchFamily="34" charset="0"/>
+                      </a:endParaRPr>
+                    </a:p>
+                  </a:txBody>
+                  <a:tcPr anchor="ctr"/>
+                </a:tc>
+                <a:tc>
+                  <a:txBody>
+                    <a:bodyPr/>
+                    <a:lstStyle/>
+                    <a:p>
+                      <a:pPr algn="l"/>
+                      <a:r>
+                        <a:rPr lang="en-US" sz="2300" dirty="0">
+                          <a:latin typeface="Arial" panose="020B0604020202020204" pitchFamily="34" charset="0"/>
+                          <a:cs typeface="Arial" panose="020B0604020202020204" pitchFamily="34" charset="0"/>
+                        </a:rPr>
+                        <a:t>Hire</a:t>
+                      </a:r>
+                      <a:r>
+                        <a:rPr lang="en-US" sz="2300" baseline="0" dirty="0">
+                          <a:latin typeface="Arial" panose="020B0604020202020204" pitchFamily="34" charset="0"/>
+                          <a:cs typeface="Arial" panose="020B0604020202020204" pitchFamily="34" charset="0"/>
+                        </a:rPr>
+                        <a:t> more employees by adding recruitment advertisement in the website</a:t>
+                      </a:r>
+                      <a:endParaRPr lang="en-PH" sz="2300" dirty="0">
+                        <a:latin typeface="Arial" panose="020B0604020202020204" pitchFamily="34" charset="0"/>
+                        <a:cs typeface="Arial" panose="020B0604020202020204" pitchFamily="34" charset="0"/>
+                      </a:endParaRPr>
+                    </a:p>
+                  </a:txBody>
+                  <a:tcPr anchor="ctr"/>
+                </a:tc>
+                <a:extLst>
+                  <a:ext uri="{0D108BD9-81ED-4DB2-BD59-A6C34878D82A}">
+                    <a16:rowId xmlns:a16="http://schemas.microsoft.com/office/drawing/2014/main" val="361113848"/>
+                  </a:ext>
+                </a:extLst>
+              </a:tr>
+            </a:tbl>
+          </a:graphicData>
+        </a:graphic>
+      </p:graphicFrame>
     </p:spTree>
   </p:cSld>
   <p:clrMapOvr>
@@ -13427,18 +13853,44 @@
         </p:nvSpPr>
         <p:spPr/>
         <p:txBody>
-          <a:bodyPr/>
+          <a:bodyPr>
+            <a:normAutofit/>
+          </a:bodyPr>
           <a:lstStyle/>
           <a:p>
             <a:r>
-              <a:rPr lang="en-US" dirty="0"/>
-              <a:t>Summarize the competition.</a:t>
-            </a:r>
-          </a:p>
-          <a:p>
-            <a:r>
-              <a:rPr lang="en-US" dirty="0"/>
-              <a:t>Outline your company’s competitive advantage.</a:t>
+              <a:rPr lang="en-US" sz="3000" dirty="0">
+                <a:latin typeface="Arial" panose="020B0604020202020204" pitchFamily="34" charset="0"/>
+                <a:cs typeface="Arial" panose="020B0604020202020204" pitchFamily="34" charset="0"/>
+              </a:rPr>
+              <a:t>Business Trend</a:t>
+            </a:r>
+          </a:p>
+          <a:p>
+            <a:r>
+              <a:rPr lang="en-US" sz="3000" dirty="0">
+                <a:latin typeface="Arial" panose="020B0604020202020204" pitchFamily="34" charset="0"/>
+                <a:cs typeface="Arial" panose="020B0604020202020204" pitchFamily="34" charset="0"/>
+              </a:rPr>
+              <a:t>Economy Sharing</a:t>
+            </a:r>
+          </a:p>
+          <a:p>
+            <a:r>
+              <a:rPr lang="en-US" sz="3000" dirty="0">
+                <a:latin typeface="Arial" panose="020B0604020202020204" pitchFamily="34" charset="0"/>
+                <a:cs typeface="Arial" panose="020B0604020202020204" pitchFamily="34" charset="0"/>
+              </a:rPr>
+              <a:t>Investment in Technology</a:t>
+            </a:r>
+          </a:p>
+          <a:p>
+            <a:r>
+              <a:rPr lang="en-US" sz="3000" dirty="0">
+                <a:latin typeface="Arial" panose="020B0604020202020204" pitchFamily="34" charset="0"/>
+                <a:cs typeface="Arial" panose="020B0604020202020204" pitchFamily="34" charset="0"/>
+              </a:rPr>
+              <a:t>Travel Spend Reduction</a:t>
             </a:r>
           </a:p>
         </p:txBody>
@@ -13574,32 +14026,35 @@
         </p:nvSpPr>
         <p:spPr/>
         <p:txBody>
-          <a:bodyPr/>
+          <a:bodyPr>
+            <a:normAutofit/>
+          </a:bodyPr>
           <a:lstStyle/>
           <a:p>
             <a:r>
-              <a:rPr lang="en-US" dirty="0"/>
-              <a:t>List five-year goals.</a:t>
-            </a:r>
-          </a:p>
-          <a:p>
-            <a:r>
-              <a:rPr lang="en-US" dirty="0"/>
-              <a:t>State specific, measurable objectives for achieving your five-year goals.</a:t>
-            </a:r>
-          </a:p>
-          <a:p>
-            <a:pPr lvl="1"/>
-            <a:r>
-              <a:rPr lang="en-US" dirty="0"/>
-              <a:t>List market-share objectives.</a:t>
-            </a:r>
-          </a:p>
-          <a:p>
-            <a:pPr lvl="1"/>
-            <a:r>
-              <a:rPr lang="en-US" dirty="0"/>
-              <a:t>List revenue/profitability objectives.</a:t>
+              <a:rPr lang="en-US" sz="3000" dirty="0">
+                <a:latin typeface="Arial" panose="020B0604020202020204" pitchFamily="34" charset="0"/>
+                <a:cs typeface="Arial" panose="020B0604020202020204" pitchFamily="34" charset="0"/>
+              </a:rPr>
+              <a:t>Increase of customers</a:t>
+            </a:r>
+          </a:p>
+          <a:p>
+            <a:r>
+              <a:rPr lang="en-US" sz="3000" dirty="0">
+                <a:latin typeface="Arial" panose="020B0604020202020204" pitchFamily="34" charset="0"/>
+                <a:cs typeface="Arial" panose="020B0604020202020204" pitchFamily="34" charset="0"/>
+              </a:rPr>
+              <a:t>Using of technologies for services</a:t>
+            </a:r>
+          </a:p>
+          <a:p>
+            <a:r>
+              <a:rPr lang="en-US" sz="3000" dirty="0">
+                <a:latin typeface="Arial" panose="020B0604020202020204" pitchFamily="34" charset="0"/>
+                <a:cs typeface="Arial" panose="020B0604020202020204" pitchFamily="34" charset="0"/>
+              </a:rPr>
+              <a:t>Employee engagement</a:t>
             </a:r>
           </a:p>
         </p:txBody>
@@ -13727,7 +14182,12 @@
             <p:ph type="title"/>
           </p:nvPr>
         </p:nvSpPr>
-        <p:spPr/>
+        <p:spPr>
+          <a:xfrm>
+            <a:off x="457200" y="274638"/>
+            <a:ext cx="8229600" cy="1143000"/>
+          </a:xfrm>
+        </p:spPr>
         <p:txBody>
           <a:bodyPr>
             <a:normAutofit/>
@@ -13735,86 +14195,52 @@
           <a:lstStyle/>
           <a:p>
             <a:r>
-              <a:rPr lang="en-US" sz="4000" dirty="0">
+              <a:rPr lang="en-US" sz="4000">
                 <a:latin typeface="Arial" panose="020B0604020202020204" pitchFamily="34" charset="0"/>
                 <a:cs typeface="Arial" panose="020B0604020202020204" pitchFamily="34" charset="0"/>
               </a:rPr>
               <a:t>Strategic Roadmap</a:t>
             </a:r>
-          </a:p>
-        </p:txBody>
-      </p:sp>
-      <p:sp>
-        <p:nvSpPr>
-          <p:cNvPr id="3" name="Content Placeholder 2"/>
-          <p:cNvSpPr>
-            <a:spLocks noGrp="1"/>
-          </p:cNvSpPr>
-          <p:nvPr>
-            <p:ph idx="1"/>
-          </p:nvPr>
-        </p:nvSpPr>
-        <p:spPr/>
-        <p:txBody>
-          <a:bodyPr/>
-          <a:lstStyle/>
-          <a:p>
-            <a:r>
-              <a:rPr lang="en-US" dirty="0"/>
-              <a:t>List requirements for the following resources:</a:t>
-            </a:r>
-          </a:p>
-          <a:p>
-            <a:pPr lvl="1"/>
-            <a:r>
-              <a:rPr lang="en-US" dirty="0"/>
-              <a:t>Personnel</a:t>
-            </a:r>
-          </a:p>
-          <a:p>
-            <a:pPr lvl="1"/>
-            <a:r>
-              <a:rPr lang="en-US" dirty="0"/>
-              <a:t>Technology</a:t>
-            </a:r>
-          </a:p>
-          <a:p>
-            <a:pPr lvl="1"/>
-            <a:r>
-              <a:rPr lang="en-US" dirty="0"/>
-              <a:t>Finances</a:t>
-            </a:r>
-          </a:p>
-          <a:p>
-            <a:pPr lvl="1"/>
-            <a:r>
-              <a:rPr lang="en-US" dirty="0"/>
-              <a:t>Distribution</a:t>
-            </a:r>
-          </a:p>
-          <a:p>
-            <a:pPr lvl="1"/>
-            <a:r>
-              <a:rPr lang="en-US" dirty="0"/>
-              <a:t>Promotion</a:t>
-            </a:r>
-          </a:p>
-          <a:p>
-            <a:pPr lvl="1"/>
-            <a:r>
-              <a:rPr lang="en-US" dirty="0"/>
-              <a:t>Products</a:t>
-            </a:r>
-          </a:p>
-          <a:p>
-            <a:pPr lvl="1"/>
-            <a:r>
-              <a:rPr lang="en-US" dirty="0"/>
-              <a:t>Services</a:t>
-            </a:r>
-          </a:p>
-        </p:txBody>
-      </p:sp>
+            <a:endParaRPr lang="en-US" sz="4000" dirty="0">
+              <a:latin typeface="Arial" panose="020B0604020202020204" pitchFamily="34" charset="0"/>
+              <a:cs typeface="Arial" panose="020B0604020202020204" pitchFamily="34" charset="0"/>
+            </a:endParaRPr>
+          </a:p>
+        </p:txBody>
+      </p:sp>
+      <p:pic>
+        <p:nvPicPr>
+          <p:cNvPr id="4" name="Picture 3" descr="C:\Users\Aira Joyce\AppData\Local\Microsoft\Wi­ndows\Temporary Internet Files\Content.Word\roadmap.png"/>
+          <p:cNvPicPr/>
+          <p:nvPr/>
+        </p:nvPicPr>
+        <p:blipFill>
+          <a:blip r:embed="rId2">
+            <a:extLst>
+              <a:ext uri="{28A0092B-C50C-407E-A947-70E740481C1C}">
+                <a14:useLocalDpi xmlns:a14="http://schemas.microsoft.com/office/drawing/2010/main" val="0"/>
+              </a:ext>
+            </a:extLst>
+          </a:blip>
+          <a:srcRect/>
+          <a:stretch>
+            <a:fillRect/>
+          </a:stretch>
+        </p:blipFill>
+        <p:spPr bwMode="auto">
+          <a:xfrm>
+            <a:off x="457200" y="1417638"/>
+            <a:ext cx="8229600" cy="4963690"/>
+          </a:xfrm>
+          <a:prstGeom prst="rect">
+            <a:avLst/>
+          </a:prstGeom>
+          <a:noFill/>
+          <a:ln>
+            <a:noFill/>
+          </a:ln>
+        </p:spPr>
+      </p:pic>
     </p:spTree>
   </p:cSld>
   <p:clrMapOvr>
@@ -13867,34 +14293,95 @@
           </a:p>
         </p:txBody>
       </p:sp>
-      <p:sp>
-        <p:nvSpPr>
-          <p:cNvPr id="3" name="Content Placeholder 2"/>
-          <p:cNvSpPr>
-            <a:spLocks noGrp="1"/>
-          </p:cNvSpPr>
+      <p:pic>
+        <p:nvPicPr>
+          <p:cNvPr id="5" name="Content Placeholder 4"/>
+          <p:cNvPicPr>
+            <a:picLocks noGrp="1" noChangeAspect="1"/>
+          </p:cNvPicPr>
           <p:nvPr>
             <p:ph idx="1"/>
           </p:nvPr>
-        </p:nvSpPr>
-        <p:spPr/>
-        <p:txBody>
-          <a:bodyPr/>
-          <a:lstStyle/>
-          <a:p>
-            <a:r>
-              <a:rPr lang="en-US" dirty="0"/>
-              <a:t>Summarize the risks of the proposed project and how they will be addressed.</a:t>
-            </a:r>
-          </a:p>
-          <a:p>
-            <a:r>
-              <a:rPr lang="en-US" dirty="0"/>
-              <a:t>Estimate expected rewards, particularly if you are seeking funding.</a:t>
-            </a:r>
-          </a:p>
-        </p:txBody>
-      </p:sp>
+        </p:nvPicPr>
+        <p:blipFill>
+          <a:blip r:embed="rId2">
+            <a:extLst>
+              <a:ext uri="{28A0092B-C50C-407E-A947-70E740481C1C}">
+                <a14:useLocalDpi xmlns:a14="http://schemas.microsoft.com/office/drawing/2010/main" val="0"/>
+              </a:ext>
+            </a:extLst>
+          </a:blip>
+          <a:stretch>
+            <a:fillRect/>
+          </a:stretch>
+        </p:blipFill>
+        <p:spPr>
+          <a:xfrm>
+            <a:off x="449351" y="1268760"/>
+            <a:ext cx="8237449" cy="1867346"/>
+          </a:xfrm>
+        </p:spPr>
+      </p:pic>
+      <p:pic>
+        <p:nvPicPr>
+          <p:cNvPr id="7" name="Picture 6"/>
+          <p:cNvPicPr>
+            <a:picLocks noChangeAspect="1"/>
+          </p:cNvPicPr>
+          <p:nvPr/>
+        </p:nvPicPr>
+        <p:blipFill>
+          <a:blip r:embed="rId3">
+            <a:extLst>
+              <a:ext uri="{28A0092B-C50C-407E-A947-70E740481C1C}">
+                <a14:useLocalDpi xmlns:a14="http://schemas.microsoft.com/office/drawing/2010/main" val="0"/>
+              </a:ext>
+            </a:extLst>
+          </a:blip>
+          <a:stretch>
+            <a:fillRect/>
+          </a:stretch>
+        </p:blipFill>
+        <p:spPr>
+          <a:xfrm>
+            <a:off x="449349" y="3136106"/>
+            <a:ext cx="8237449" cy="1867346"/>
+          </a:xfrm>
+          <a:prstGeom prst="rect">
+            <a:avLst/>
+          </a:prstGeom>
+        </p:spPr>
+      </p:pic>
+      <p:pic>
+        <p:nvPicPr>
+          <p:cNvPr id="9" name="Picture 8"/>
+          <p:cNvPicPr>
+            <a:picLocks noChangeAspect="1"/>
+          </p:cNvPicPr>
+          <p:nvPr/>
+        </p:nvPicPr>
+        <p:blipFill>
+          <a:blip r:embed="rId4">
+            <a:extLst>
+              <a:ext uri="{28A0092B-C50C-407E-A947-70E740481C1C}">
+                <a14:useLocalDpi xmlns:a14="http://schemas.microsoft.com/office/drawing/2010/main" val="0"/>
+              </a:ext>
+            </a:extLst>
+          </a:blip>
+          <a:stretch>
+            <a:fillRect/>
+          </a:stretch>
+        </p:blipFill>
+        <p:spPr>
+          <a:xfrm>
+            <a:off x="457200" y="4990654"/>
+            <a:ext cx="8229599" cy="1867346"/>
+          </a:xfrm>
+          <a:prstGeom prst="rect">
+            <a:avLst/>
+          </a:prstGeom>
+        </p:spPr>
+      </p:pic>
     </p:spTree>
   </p:cSld>
   <p:clrMapOvr>
@@ -13920,47 +14407,70 @@
           <a:chExt cx="0" cy="0"/>
         </a:xfrm>
       </p:grpSpPr>
-      <p:sp>
-        <p:nvSpPr>
-          <p:cNvPr id="4" name="Title 3"/>
-          <p:cNvSpPr>
-            <a:spLocks noGrp="1"/>
-          </p:cNvSpPr>
-          <p:nvPr>
-            <p:ph type="title"/>
-          </p:nvPr>
-        </p:nvSpPr>
+      <p:pic>
+        <p:nvPicPr>
+          <p:cNvPr id="6" name="Picture 5"/>
+          <p:cNvPicPr>
+            <a:picLocks noChangeAspect="1"/>
+          </p:cNvPicPr>
+          <p:nvPr/>
+        </p:nvPicPr>
+        <p:blipFill>
+          <a:blip r:embed="rId2">
+            <a:extLst>
+              <a:ext uri="{28A0092B-C50C-407E-A947-70E740481C1C}">
+                <a14:useLocalDpi xmlns:a14="http://schemas.microsoft.com/office/drawing/2010/main" val="0"/>
+              </a:ext>
+            </a:extLst>
+          </a:blip>
+          <a:stretch>
+            <a:fillRect/>
+          </a:stretch>
+        </p:blipFill>
         <p:spPr>
           <a:xfrm>
-            <a:off x="457200" y="2857500"/>
-            <a:ext cx="8229600" cy="1143000"/>
+            <a:off x="453276" y="1772816"/>
+            <a:ext cx="8237449" cy="1867346"/>
           </a:xfrm>
+          <a:prstGeom prst="rect">
+            <a:avLst/>
+          </a:prstGeom>
         </p:spPr>
-        <p:txBody>
-          <a:bodyPr>
-            <a:normAutofit/>
-          </a:bodyPr>
-          <a:lstStyle/>
-          <a:p>
-            <a:pPr algn="ctr"/>
-            <a:r>
-              <a:rPr lang="en-US" sz="5000" b="1" dirty="0">
-                <a:latin typeface="Arial" panose="020B0604020202020204" pitchFamily="34" charset="0"/>
-                <a:cs typeface="Arial" panose="020B0604020202020204" pitchFamily="34" charset="0"/>
-              </a:rPr>
-              <a:t>Strategic Initiatives</a:t>
-            </a:r>
-            <a:endParaRPr lang="en-PH" sz="5000" b="1" dirty="0">
-              <a:latin typeface="Arial" panose="020B0604020202020204" pitchFamily="34" charset="0"/>
-              <a:cs typeface="Arial" panose="020B0604020202020204" pitchFamily="34" charset="0"/>
-            </a:endParaRPr>
-          </a:p>
-        </p:txBody>
-      </p:sp>
+      </p:pic>
+      <p:pic>
+        <p:nvPicPr>
+          <p:cNvPr id="11" name="Picture 10"/>
+          <p:cNvPicPr>
+            <a:picLocks noChangeAspect="1"/>
+          </p:cNvPicPr>
+          <p:nvPr/>
+        </p:nvPicPr>
+        <p:blipFill>
+          <a:blip r:embed="rId3">
+            <a:extLst>
+              <a:ext uri="{28A0092B-C50C-407E-A947-70E740481C1C}">
+                <a14:useLocalDpi xmlns:a14="http://schemas.microsoft.com/office/drawing/2010/main" val="0"/>
+              </a:ext>
+            </a:extLst>
+          </a:blip>
+          <a:stretch>
+            <a:fillRect/>
+          </a:stretch>
+        </p:blipFill>
+        <p:spPr>
+          <a:xfrm>
+            <a:off x="453276" y="3652916"/>
+            <a:ext cx="8237449" cy="1867346"/>
+          </a:xfrm>
+          <a:prstGeom prst="rect">
+            <a:avLst/>
+          </a:prstGeom>
+        </p:spPr>
+      </p:pic>
     </p:spTree>
     <p:extLst>
       <p:ext uri="{BB962C8B-B14F-4D97-AF65-F5344CB8AC3E}">
-        <p14:creationId xmlns:p14="http://schemas.microsoft.com/office/powerpoint/2010/main" val="655164273"/>
+        <p14:creationId xmlns:p14="http://schemas.microsoft.com/office/powerpoint/2010/main" val="1503557370"/>
       </p:ext>
     </p:extLst>
   </p:cSld>
@@ -14082,7 +14592,7 @@
                 <a:latin typeface="Arial" panose="020B0604020202020204" pitchFamily="34" charset="0"/>
                 <a:cs typeface="Arial" panose="020B0604020202020204" pitchFamily="34" charset="0"/>
               </a:rPr>
-              <a:t>Financial Summary</a:t>
+              <a:t>Strategic Initiatives</a:t>
             </a:r>
             <a:endParaRPr lang="en-PH" sz="5000" b="1" dirty="0">
               <a:latin typeface="Arial" panose="020B0604020202020204" pitchFamily="34" charset="0"/>
@@ -14094,7 +14604,7 @@
     </p:spTree>
     <p:extLst>
       <p:ext uri="{BB962C8B-B14F-4D97-AF65-F5344CB8AC3E}">
-        <p14:creationId xmlns:p14="http://schemas.microsoft.com/office/powerpoint/2010/main" val="2069349181"/>
+        <p14:creationId xmlns:p14="http://schemas.microsoft.com/office/powerpoint/2010/main" val="655164273"/>
       </p:ext>
     </p:extLst>
   </p:cSld>
@@ -14121,6 +14631,58 @@
           <a:chExt cx="0" cy="0"/>
         </a:xfrm>
       </p:grpSpPr>
+      <p:pic>
+        <p:nvPicPr>
+          <p:cNvPr id="5" name="Picture 4"/>
+          <p:cNvPicPr/>
+          <p:nvPr/>
+        </p:nvPicPr>
+        <p:blipFill>
+          <a:blip r:embed="rId2"/>
+          <a:stretch>
+            <a:fillRect/>
+          </a:stretch>
+        </p:blipFill>
+        <p:spPr>
+          <a:xfrm>
+            <a:off x="457200" y="855929"/>
+            <a:ext cx="8229600" cy="5146142"/>
+          </a:xfrm>
+          <a:prstGeom prst="rect">
+            <a:avLst/>
+          </a:prstGeom>
+        </p:spPr>
+      </p:pic>
+    </p:spTree>
+    <p:extLst>
+      <p:ext uri="{BB962C8B-B14F-4D97-AF65-F5344CB8AC3E}">
+        <p14:creationId xmlns:p14="http://schemas.microsoft.com/office/powerpoint/2010/main" val="3728213377"/>
+      </p:ext>
+    </p:extLst>
+  </p:cSld>
+  <p:clrMapOvr>
+    <a:masterClrMapping/>
+  </p:clrMapOvr>
+</p:sld>
+</file>
+
+<file path=ppt/slides/slide22.xml><?xml version="1.0" encoding="utf-8"?>
+<p:sld xmlns:a="http://schemas.openxmlformats.org/drawingml/2006/main" xmlns:r="http://schemas.openxmlformats.org/officeDocument/2006/relationships" xmlns:p="http://schemas.openxmlformats.org/presentationml/2006/main">
+  <p:cSld>
+    <p:spTree>
+      <p:nvGrpSpPr>
+        <p:cNvPr id="1" name=""/>
+        <p:cNvGrpSpPr/>
+        <p:nvPr/>
+      </p:nvGrpSpPr>
+      <p:grpSpPr>
+        <a:xfrm>
+          <a:off x="0" y="0"/>
+          <a:ext cx="0" cy="0"/>
+          <a:chOff x="0" y="0"/>
+          <a:chExt cx="0" cy="0"/>
+        </a:xfrm>
+      </p:grpSpPr>
       <p:sp>
         <p:nvSpPr>
           <p:cNvPr id="4" name="Title 3"/>
@@ -14149,7 +14711,7 @@
                 <a:latin typeface="Arial" panose="020B0604020202020204" pitchFamily="34" charset="0"/>
                 <a:cs typeface="Arial" panose="020B0604020202020204" pitchFamily="34" charset="0"/>
               </a:rPr>
-              <a:t>Process Flow Diagram</a:t>
+              <a:t>Financial Summary</a:t>
             </a:r>
             <a:endParaRPr lang="en-PH" sz="5000" b="1" dirty="0">
               <a:latin typeface="Arial" panose="020B0604020202020204" pitchFamily="34" charset="0"/>
@@ -14161,7 +14723,303 @@
     </p:spTree>
     <p:extLst>
       <p:ext uri="{BB962C8B-B14F-4D97-AF65-F5344CB8AC3E}">
+        <p14:creationId xmlns:p14="http://schemas.microsoft.com/office/powerpoint/2010/main" val="2069349181"/>
+      </p:ext>
+    </p:extLst>
+  </p:cSld>
+  <p:clrMapOvr>
+    <a:masterClrMapping/>
+  </p:clrMapOvr>
+</p:sld>
+</file>
+
+<file path=ppt/slides/slide23.xml><?xml version="1.0" encoding="utf-8"?>
+<p:sld xmlns:a="http://schemas.openxmlformats.org/drawingml/2006/main" xmlns:r="http://schemas.openxmlformats.org/officeDocument/2006/relationships" xmlns:p="http://schemas.openxmlformats.org/presentationml/2006/main">
+  <p:cSld>
+    <p:spTree>
+      <p:nvGrpSpPr>
+        <p:cNvPr id="1" name=""/>
+        <p:cNvGrpSpPr/>
+        <p:nvPr/>
+      </p:nvGrpSpPr>
+      <p:grpSpPr>
+        <a:xfrm>
+          <a:off x="0" y="0"/>
+          <a:ext cx="0" cy="0"/>
+          <a:chOff x="0" y="0"/>
+          <a:chExt cx="0" cy="0"/>
+        </a:xfrm>
+      </p:grpSpPr>
+      <p:pic>
+        <p:nvPicPr>
+          <p:cNvPr id="4" name="Picture 3"/>
+          <p:cNvPicPr/>
+          <p:nvPr/>
+        </p:nvPicPr>
+        <p:blipFill>
+          <a:blip r:embed="rId2"/>
+          <a:stretch>
+            <a:fillRect/>
+          </a:stretch>
+        </p:blipFill>
+        <p:spPr>
+          <a:xfrm>
+            <a:off x="457200" y="1233972"/>
+            <a:ext cx="8229600" cy="4390057"/>
+          </a:xfrm>
+          <a:prstGeom prst="rect">
+            <a:avLst/>
+          </a:prstGeom>
+        </p:spPr>
+      </p:pic>
+    </p:spTree>
+    <p:extLst>
+      <p:ext uri="{BB962C8B-B14F-4D97-AF65-F5344CB8AC3E}">
+        <p14:creationId xmlns:p14="http://schemas.microsoft.com/office/powerpoint/2010/main" val="2240522985"/>
+      </p:ext>
+    </p:extLst>
+  </p:cSld>
+  <p:clrMapOvr>
+    <a:masterClrMapping/>
+  </p:clrMapOvr>
+</p:sld>
+</file>
+
+<file path=ppt/slides/slide24.xml><?xml version="1.0" encoding="utf-8"?>
+<p:sld xmlns:a="http://schemas.openxmlformats.org/drawingml/2006/main" xmlns:r="http://schemas.openxmlformats.org/officeDocument/2006/relationships" xmlns:p="http://schemas.openxmlformats.org/presentationml/2006/main">
+  <p:cSld>
+    <p:spTree>
+      <p:nvGrpSpPr>
+        <p:cNvPr id="1" name=""/>
+        <p:cNvGrpSpPr/>
+        <p:nvPr/>
+      </p:nvGrpSpPr>
+      <p:grpSpPr>
+        <a:xfrm>
+          <a:off x="0" y="0"/>
+          <a:ext cx="0" cy="0"/>
+          <a:chOff x="0" y="0"/>
+          <a:chExt cx="0" cy="0"/>
+        </a:xfrm>
+      </p:grpSpPr>
+      <p:sp>
+        <p:nvSpPr>
+          <p:cNvPr id="4" name="Title 3"/>
+          <p:cNvSpPr>
+            <a:spLocks noGrp="1"/>
+          </p:cNvSpPr>
+          <p:nvPr>
+            <p:ph type="title"/>
+          </p:nvPr>
+        </p:nvSpPr>
+        <p:spPr>
+          <a:xfrm>
+            <a:off x="457200" y="2857500"/>
+            <a:ext cx="8229600" cy="1143000"/>
+          </a:xfrm>
+        </p:spPr>
+        <p:txBody>
+          <a:bodyPr>
+            <a:normAutofit/>
+          </a:bodyPr>
+          <a:lstStyle/>
+          <a:p>
+            <a:pPr algn="ctr"/>
+            <a:r>
+              <a:rPr lang="en-US" sz="5000" b="1" dirty="0">
+                <a:latin typeface="Arial" panose="020B0604020202020204" pitchFamily="34" charset="0"/>
+                <a:cs typeface="Arial" panose="020B0604020202020204" pitchFamily="34" charset="0"/>
+              </a:rPr>
+              <a:t>Process Flow Diagram</a:t>
+            </a:r>
+            <a:endParaRPr lang="en-PH" sz="5000" b="1" dirty="0">
+              <a:latin typeface="Arial" panose="020B0604020202020204" pitchFamily="34" charset="0"/>
+              <a:cs typeface="Arial" panose="020B0604020202020204" pitchFamily="34" charset="0"/>
+            </a:endParaRPr>
+          </a:p>
+        </p:txBody>
+      </p:sp>
+    </p:spTree>
+    <p:extLst>
+      <p:ext uri="{BB962C8B-B14F-4D97-AF65-F5344CB8AC3E}">
         <p14:creationId xmlns:p14="http://schemas.microsoft.com/office/powerpoint/2010/main" val="3518131292"/>
+      </p:ext>
+    </p:extLst>
+  </p:cSld>
+  <p:clrMapOvr>
+    <a:masterClrMapping/>
+  </p:clrMapOvr>
+</p:sld>
+</file>
+
+<file path=ppt/slides/slide25.xml><?xml version="1.0" encoding="utf-8"?>
+<p:sld xmlns:a="http://schemas.openxmlformats.org/drawingml/2006/main" xmlns:r="http://schemas.openxmlformats.org/officeDocument/2006/relationships" xmlns:p="http://schemas.openxmlformats.org/presentationml/2006/main">
+  <p:cSld>
+    <p:spTree>
+      <p:nvGrpSpPr>
+        <p:cNvPr id="1" name=""/>
+        <p:cNvGrpSpPr/>
+        <p:nvPr/>
+      </p:nvGrpSpPr>
+      <p:grpSpPr>
+        <a:xfrm>
+          <a:off x="0" y="0"/>
+          <a:ext cx="0" cy="0"/>
+          <a:chOff x="0" y="0"/>
+          <a:chExt cx="0" cy="0"/>
+        </a:xfrm>
+      </p:grpSpPr>
+      <p:pic>
+        <p:nvPicPr>
+          <p:cNvPr id="4" name="Picture 3"/>
+          <p:cNvPicPr/>
+          <p:nvPr/>
+        </p:nvPicPr>
+        <p:blipFill>
+          <a:blip r:embed="rId2">
+            <a:extLst>
+              <a:ext uri="{28A0092B-C50C-407E-A947-70E740481C1C}">
+                <a14:useLocalDpi xmlns:a14="http://schemas.microsoft.com/office/drawing/2010/main" val="0"/>
+              </a:ext>
+            </a:extLst>
+          </a:blip>
+          <a:stretch>
+            <a:fillRect/>
+          </a:stretch>
+        </p:blipFill>
+        <p:spPr>
+          <a:xfrm>
+            <a:off x="457200" y="710699"/>
+            <a:ext cx="8229600" cy="5436602"/>
+          </a:xfrm>
+          <a:prstGeom prst="rect">
+            <a:avLst/>
+          </a:prstGeom>
+        </p:spPr>
+      </p:pic>
+    </p:spTree>
+    <p:extLst>
+      <p:ext uri="{BB962C8B-B14F-4D97-AF65-F5344CB8AC3E}">
+        <p14:creationId xmlns:p14="http://schemas.microsoft.com/office/powerpoint/2010/main" val="798661232"/>
+      </p:ext>
+    </p:extLst>
+  </p:cSld>
+  <p:clrMapOvr>
+    <a:masterClrMapping/>
+  </p:clrMapOvr>
+</p:sld>
+</file>
+
+<file path=ppt/slides/slide26.xml><?xml version="1.0" encoding="utf-8"?>
+<p:sld xmlns:a="http://schemas.openxmlformats.org/drawingml/2006/main" xmlns:r="http://schemas.openxmlformats.org/officeDocument/2006/relationships" xmlns:p="http://schemas.openxmlformats.org/presentationml/2006/main">
+  <p:cSld>
+    <p:spTree>
+      <p:nvGrpSpPr>
+        <p:cNvPr id="1" name=""/>
+        <p:cNvGrpSpPr/>
+        <p:nvPr/>
+      </p:nvGrpSpPr>
+      <p:grpSpPr>
+        <a:xfrm>
+          <a:off x="0" y="0"/>
+          <a:ext cx="0" cy="0"/>
+          <a:chOff x="0" y="0"/>
+          <a:chExt cx="0" cy="0"/>
+        </a:xfrm>
+      </p:grpSpPr>
+      <p:sp>
+        <p:nvSpPr>
+          <p:cNvPr id="4" name="Title 3"/>
+          <p:cNvSpPr>
+            <a:spLocks noGrp="1"/>
+          </p:cNvSpPr>
+          <p:nvPr>
+            <p:ph type="title"/>
+          </p:nvPr>
+        </p:nvSpPr>
+        <p:spPr>
+          <a:xfrm>
+            <a:off x="457200" y="2857500"/>
+            <a:ext cx="8229600" cy="1143000"/>
+          </a:xfrm>
+        </p:spPr>
+        <p:txBody>
+          <a:bodyPr>
+            <a:normAutofit/>
+          </a:bodyPr>
+          <a:lstStyle/>
+          <a:p>
+            <a:pPr algn="ctr"/>
+            <a:r>
+              <a:rPr lang="en-US" sz="5000" b="1" dirty="0">
+                <a:latin typeface="Arial" panose="020B0604020202020204" pitchFamily="34" charset="0"/>
+                <a:cs typeface="Arial" panose="020B0604020202020204" pitchFamily="34" charset="0"/>
+              </a:rPr>
+              <a:t>Project Estimate Cost</a:t>
+            </a:r>
+            <a:endParaRPr lang="en-PH" sz="5000" b="1" dirty="0">
+              <a:latin typeface="Arial" panose="020B0604020202020204" pitchFamily="34" charset="0"/>
+              <a:cs typeface="Arial" panose="020B0604020202020204" pitchFamily="34" charset="0"/>
+            </a:endParaRPr>
+          </a:p>
+        </p:txBody>
+      </p:sp>
+    </p:spTree>
+    <p:extLst>
+      <p:ext uri="{BB962C8B-B14F-4D97-AF65-F5344CB8AC3E}">
+        <p14:creationId xmlns:p14="http://schemas.microsoft.com/office/powerpoint/2010/main" val="4254537515"/>
+      </p:ext>
+    </p:extLst>
+  </p:cSld>
+  <p:clrMapOvr>
+    <a:masterClrMapping/>
+  </p:clrMapOvr>
+</p:sld>
+</file>
+
+<file path=ppt/slides/slide27.xml><?xml version="1.0" encoding="utf-8"?>
+<p:sld xmlns:a="http://schemas.openxmlformats.org/drawingml/2006/main" xmlns:r="http://schemas.openxmlformats.org/officeDocument/2006/relationships" xmlns:p="http://schemas.openxmlformats.org/presentationml/2006/main">
+  <p:cSld>
+    <p:spTree>
+      <p:nvGrpSpPr>
+        <p:cNvPr id="1" name=""/>
+        <p:cNvGrpSpPr/>
+        <p:nvPr/>
+      </p:nvGrpSpPr>
+      <p:grpSpPr>
+        <a:xfrm>
+          <a:off x="0" y="0"/>
+          <a:ext cx="0" cy="0"/>
+          <a:chOff x="0" y="0"/>
+          <a:chExt cx="0" cy="0"/>
+        </a:xfrm>
+      </p:grpSpPr>
+      <p:pic>
+        <p:nvPicPr>
+          <p:cNvPr id="4" name="Picture 3"/>
+          <p:cNvPicPr/>
+          <p:nvPr/>
+        </p:nvPicPr>
+        <p:blipFill>
+          <a:blip r:embed="rId2"/>
+          <a:stretch>
+            <a:fillRect/>
+          </a:stretch>
+        </p:blipFill>
+        <p:spPr>
+          <a:xfrm>
+            <a:off x="457200" y="947155"/>
+            <a:ext cx="8229600" cy="4963690"/>
+          </a:xfrm>
+          <a:prstGeom prst="rect">
+            <a:avLst/>
+          </a:prstGeom>
+        </p:spPr>
+      </p:pic>
+    </p:spTree>
+    <p:extLst>
+      <p:ext uri="{BB962C8B-B14F-4D97-AF65-F5344CB8AC3E}">
+        <p14:creationId xmlns:p14="http://schemas.microsoft.com/office/powerpoint/2010/main" val="1445402144"/>
       </p:ext>
     </p:extLst>
   </p:cSld>
@@ -14231,10 +15089,27 @@
         </p:nvSpPr>
         <p:spPr/>
         <p:txBody>
-          <a:bodyPr/>
+          <a:bodyPr>
+            <a:normAutofit/>
+          </a:bodyPr>
           <a:lstStyle/>
           <a:p>
-            <a:endParaRPr lang="en-PH" dirty="0"/>
+            <a:r>
+              <a:rPr lang="en-US" sz="3000" dirty="0">
+                <a:latin typeface="Arial" panose="020B0604020202020204" pitchFamily="34" charset="0"/>
+                <a:cs typeface="Arial" panose="020B0604020202020204" pitchFamily="34" charset="0"/>
+              </a:rPr>
+              <a:t>Started…</a:t>
+            </a:r>
+          </a:p>
+          <a:p>
+            <a:r>
+              <a:rPr lang="en-US" sz="3000" dirty="0">
+                <a:latin typeface="Arial" panose="020B0604020202020204" pitchFamily="34" charset="0"/>
+                <a:cs typeface="Arial" panose="020B0604020202020204" pitchFamily="34" charset="0"/>
+              </a:rPr>
+              <a:t>Two branches: Makati and Bicol</a:t>
+            </a:r>
           </a:p>
         </p:txBody>
       </p:sp>
@@ -14312,19 +15187,29 @@
           <a:p>
             <a:r>
               <a:rPr lang="en-US" dirty="0"/>
-              <a:t>Clearly state your company’s long-term mission.</a:t>
-            </a:r>
-          </a:p>
-          <a:p>
-            <a:pPr lvl="1"/>
+              <a:t>List CEO and key management by name.</a:t>
+            </a:r>
+          </a:p>
+          <a:p>
             <a:r>
               <a:rPr lang="en-US" dirty="0"/>
-              <a:t>Try to use words that will help direct the growth of your company, but be as concise as possible.</a:t>
+              <a:t>Include previous accomplishments to show that these are people with a record of success.</a:t>
+            </a:r>
+          </a:p>
+          <a:p>
+            <a:r>
+              <a:rPr lang="en-US" dirty="0"/>
+              <a:t>Summarize number of years of experience in this field.</a:t>
             </a:r>
           </a:p>
         </p:txBody>
       </p:sp>
     </p:spTree>
+    <p:extLst>
+      <p:ext uri="{BB962C8B-B14F-4D97-AF65-F5344CB8AC3E}">
+        <p14:creationId xmlns:p14="http://schemas.microsoft.com/office/powerpoint/2010/main" val="3259044520"/>
+      </p:ext>
+    </p:extLst>
   </p:cSld>
   <p:clrMapOvr>
     <a:masterClrMapping/>
@@ -14538,7 +15423,7 @@
                 <a:latin typeface="Arial" panose="020B0604020202020204" pitchFamily="34" charset="0"/>
                 <a:cs typeface="Arial" panose="020B0604020202020204" pitchFamily="34" charset="0"/>
               </a:rPr>
-              <a:t>Company Goals</a:t>
+              <a:t>Goals</a:t>
             </a:r>
           </a:p>
         </p:txBody>
@@ -14555,29 +15440,23 @@
         </p:nvSpPr>
         <p:spPr/>
         <p:txBody>
-          <a:bodyPr/>
+          <a:bodyPr>
+            <a:normAutofit/>
+          </a:bodyPr>
           <a:lstStyle/>
           <a:p>
-            <a:r>
-              <a:rPr lang="en-US" dirty="0"/>
-              <a:t>Summarize your market in the past, present, and future.</a:t>
-            </a:r>
-          </a:p>
-          <a:p>
-            <a:pPr lvl="1"/>
-            <a:r>
-              <a:rPr lang="en-US" dirty="0"/>
-              <a:t>Review those changes in market share, leadership, players, market shifts, costs, pricing, or competition that provide the opportunity for your company’s success.</a:t>
+            <a:pPr algn="just"/>
+            <a:r>
+              <a:rPr lang="en-US" sz="3000" dirty="0">
+                <a:latin typeface="Arial" panose="020B0604020202020204" pitchFamily="34" charset="0"/>
+                <a:cs typeface="Arial" panose="020B0604020202020204" pitchFamily="34" charset="0"/>
+              </a:rPr>
+              <a:t>To provide best possible services to suite corporate, leisure as well as individual traveler.</a:t>
             </a:r>
           </a:p>
         </p:txBody>
       </p:sp>
     </p:spTree>
-    <p:extLst>
-      <p:ext uri="{BB962C8B-B14F-4D97-AF65-F5344CB8AC3E}">
-        <p14:creationId xmlns:p14="http://schemas.microsoft.com/office/powerpoint/2010/main" val="818915239"/>
-      </p:ext>
-    </p:extLst>
   </p:cSld>
   <p:clrMapOvr>
     <a:masterClrMapping/>
@@ -14725,21 +15604,51 @@
             <p:ph sz="half" idx="2"/>
           </p:nvPr>
         </p:nvSpPr>
-        <p:spPr/>
-        <p:txBody>
-          <a:bodyPr/>
+        <p:spPr>
+          <a:xfrm>
+            <a:off x="457200" y="1260450"/>
+            <a:ext cx="4040188" cy="5597549"/>
+          </a:xfrm>
+        </p:spPr>
+        <p:txBody>
+          <a:bodyPr>
+            <a:normAutofit/>
+          </a:bodyPr>
           <a:lstStyle/>
           <a:p>
             <a:r>
-              <a:rPr lang="en-US" dirty="0"/>
-              <a:t>Summarize your market in the past, present, and future.</a:t>
-            </a:r>
-          </a:p>
-          <a:p>
-            <a:pPr lvl="1"/>
-            <a:r>
-              <a:rPr lang="en-US" dirty="0"/>
-              <a:t>Review those changes in market share, leadership, players, market shifts, costs, pricing, or competition that provide the opportunity for your company’s success.</a:t>
+              <a:rPr lang="en-US" sz="3000" dirty="0">
+                <a:latin typeface="Arial" panose="020B0604020202020204" pitchFamily="34" charset="0"/>
+                <a:cs typeface="Arial" panose="020B0604020202020204" pitchFamily="34" charset="0"/>
+              </a:rPr>
+              <a:t>Marketing skills</a:t>
+            </a:r>
+          </a:p>
+          <a:p>
+            <a:r>
+              <a:rPr lang="en-US" sz="3000" dirty="0">
+                <a:latin typeface="Arial" panose="020B0604020202020204" pitchFamily="34" charset="0"/>
+                <a:cs typeface="Arial" panose="020B0604020202020204" pitchFamily="34" charset="0"/>
+              </a:rPr>
+              <a:t>Plenty clients</a:t>
+            </a:r>
+          </a:p>
+          <a:p>
+            <a:r>
+              <a:rPr lang="en-US" sz="3000" dirty="0">
+                <a:latin typeface="Arial" panose="020B0604020202020204" pitchFamily="34" charset="0"/>
+                <a:cs typeface="Arial" panose="020B0604020202020204" pitchFamily="34" charset="0"/>
+              </a:rPr>
+              <a:t>Regular-basis clients</a:t>
+            </a:r>
+          </a:p>
+          <a:p>
+            <a:r>
+              <a:rPr lang="en-US" sz="3000" dirty="0">
+                <a:latin typeface="Arial" panose="020B0604020202020204" pitchFamily="34" charset="0"/>
+                <a:cs typeface="Arial" panose="020B0604020202020204" pitchFamily="34" charset="0"/>
+              </a:rPr>
+              <a:t>Service-oriented</a:t>
             </a:r>
           </a:p>
         </p:txBody>
@@ -14800,12 +15709,61 @@
             <p:ph sz="quarter" idx="4"/>
           </p:nvPr>
         </p:nvSpPr>
-        <p:spPr/>
-        <p:txBody>
-          <a:bodyPr/>
+        <p:spPr>
+          <a:xfrm>
+            <a:off x="4645025" y="1260450"/>
+            <a:ext cx="4041775" cy="5597549"/>
+          </a:xfrm>
+        </p:spPr>
+        <p:txBody>
+          <a:bodyPr>
+            <a:noAutofit/>
+          </a:bodyPr>
           <a:lstStyle/>
           <a:p>
-            <a:endParaRPr lang="en-PH"/>
+            <a:r>
+              <a:rPr lang="en-US" sz="2650" dirty="0">
+                <a:latin typeface="Arial" panose="020B0604020202020204" pitchFamily="34" charset="0"/>
+                <a:cs typeface="Arial" panose="020B0604020202020204" pitchFamily="34" charset="0"/>
+              </a:rPr>
+              <a:t>Delay of submission of documents by applicants for passports</a:t>
+            </a:r>
+          </a:p>
+          <a:p>
+            <a:r>
+              <a:rPr lang="en-US" sz="2650" dirty="0">
+                <a:latin typeface="Arial" panose="020B0604020202020204" pitchFamily="34" charset="0"/>
+                <a:cs typeface="Arial" panose="020B0604020202020204" pitchFamily="34" charset="0"/>
+              </a:rPr>
+              <a:t>Requirements and instructions due to the delay in submission of clients’ other supporting documents</a:t>
+            </a:r>
+          </a:p>
+          <a:p>
+            <a:r>
+              <a:rPr lang="en-US" sz="2650" dirty="0">
+                <a:latin typeface="Arial" panose="020B0604020202020204" pitchFamily="34" charset="0"/>
+                <a:cs typeface="Arial" panose="020B0604020202020204" pitchFamily="34" charset="0"/>
+              </a:rPr>
+              <a:t>Delay in processing the documents</a:t>
+            </a:r>
+          </a:p>
+          <a:p>
+            <a:r>
+              <a:rPr lang="en-US" sz="2650" dirty="0">
+                <a:latin typeface="Arial" panose="020B0604020202020204" pitchFamily="34" charset="0"/>
+                <a:cs typeface="Arial" panose="020B0604020202020204" pitchFamily="34" charset="0"/>
+              </a:rPr>
+              <a:t>Limited employees</a:t>
+            </a:r>
+          </a:p>
+          <a:p>
+            <a:r>
+              <a:rPr lang="en-US" sz="2650" dirty="0">
+                <a:latin typeface="Arial" panose="020B0604020202020204" pitchFamily="34" charset="0"/>
+                <a:cs typeface="Arial" panose="020B0604020202020204" pitchFamily="34" charset="0"/>
+              </a:rPr>
+              <a:t>Reminders to clients</a:t>
+            </a:r>
           </a:p>
         </p:txBody>
       </p:sp>
